--- a/9.Deep_learning/class_20_Generative_ai.pptx
+++ b/9.Deep_learning/class_20_Generative_ai.pptx
@@ -5,15 +5,17 @@
     <p:sldMasterId id="2147483648" r:id="rId1"/>
   </p:sldMasterIdLst>
   <p:notesMasterIdLst>
-    <p:notesMasterId r:id="rId9"/>
+    <p:notesMasterId r:id="rId11"/>
   </p:notesMasterIdLst>
   <p:sldIdLst>
-    <p:sldId id="368" r:id="rId3"/>
-    <p:sldId id="277" r:id="rId4"/>
-    <p:sldId id="278" r:id="rId5"/>
-    <p:sldId id="262" r:id="rId6"/>
-    <p:sldId id="389" r:id="rId7"/>
-    <p:sldId id="391" r:id="rId8"/>
+    <p:sldId id="278" r:id="rId3"/>
+    <p:sldId id="393" r:id="rId4"/>
+    <p:sldId id="392" r:id="rId5"/>
+    <p:sldId id="368" r:id="rId6"/>
+    <p:sldId id="277" r:id="rId7"/>
+    <p:sldId id="262" r:id="rId8"/>
+    <p:sldId id="389" r:id="rId9"/>
+    <p:sldId id="391" r:id="rId10"/>
   </p:sldIdLst>
   <p:sldSz cx="12192000" cy="6858000"/>
   <p:notesSz cx="6858000" cy="9144000"/>
@@ -3439,14 +3441,14 @@
       <p:grpSpPr/>
       <p:sp>
         <p:nvSpPr>
-          <p:cNvPr id="2" name="Text Box 1"/>
+          <p:cNvPr id="3" name="Text Box 2"/>
           <p:cNvSpPr txBox="1"/>
           <p:nvPr/>
         </p:nvSpPr>
         <p:spPr>
           <a:xfrm>
-            <a:off x="1024890" y="0"/>
-            <a:ext cx="6096000" cy="768350"/>
+            <a:off x="1317625" y="-62230"/>
+            <a:ext cx="2840990" cy="768350"/>
           </a:xfrm>
           <a:prstGeom prst="rect">
             <a:avLst/>
@@ -3454,7 +3456,7 @@
           <a:noFill/>
         </p:spPr>
         <p:txBody>
-          <a:bodyPr wrap="square" rtlCol="0" anchor="t">
+          <a:bodyPr wrap="square" rtlCol="0">
             <a:spAutoFit/>
           </a:bodyPr>
           <a:p>
@@ -3470,351 +3472,10 @@
                     </a:srgbClr>
                   </a:outerShdw>
                 </a:effectLst>
-                <a:sym typeface="+mn-ea"/>
               </a:rPr>
-              <a:t>TRANSFORMERS</a:t>
+              <a:t>Gen AI</a:t>
             </a:r>
             <a:endParaRPr lang="en-IN" altLang="en-US" sz="4400" b="1">
-              <a:solidFill>
-                <a:srgbClr val="FF0000"/>
-              </a:solidFill>
-              <a:effectLst>
-                <a:outerShdw blurRad="38100" dist="38100" dir="2700000" algn="tl">
-                  <a:srgbClr val="000000">
-                    <a:alpha val="43137"/>
-                  </a:srgbClr>
-                </a:outerShdw>
-              </a:effectLst>
-              <a:sym typeface="+mn-ea"/>
-            </a:endParaRPr>
-          </a:p>
-        </p:txBody>
-      </p:sp>
-      <p:sp>
-        <p:nvSpPr>
-          <p:cNvPr id="3" name="Text Box 2"/>
-          <p:cNvSpPr txBox="1"/>
-          <p:nvPr/>
-        </p:nvSpPr>
-        <p:spPr>
-          <a:xfrm>
-            <a:off x="579755" y="768350"/>
-            <a:ext cx="10884535" cy="5994400"/>
-          </a:xfrm>
-          <a:prstGeom prst="rect">
-            <a:avLst/>
-          </a:prstGeom>
-          <a:noFill/>
-        </p:spPr>
-        <p:txBody>
-          <a:bodyPr wrap="square" rtlCol="0">
-            <a:noAutofit/>
-          </a:bodyPr>
-          <a:p>
-            <a:r>
-              <a:rPr lang="en-IN" altLang="en-US"/>
-              <a:t>Encoder Decoder</a:t>
-            </a:r>
-            <a:endParaRPr lang="en-IN" altLang="en-US"/>
-          </a:p>
-          <a:p>
-            <a:r>
-              <a:rPr lang="en-IN" altLang="en-US"/>
-              <a:t>Attention</a:t>
-            </a:r>
-            <a:endParaRPr lang="en-IN" altLang="en-US"/>
-          </a:p>
-          <a:p>
-            <a:r>
-              <a:rPr lang="en-IN" altLang="en-US"/>
-              <a:t>Self attentions and their Geometric intutions</a:t>
-            </a:r>
-            <a:endParaRPr lang="en-IN" altLang="en-US"/>
-          </a:p>
-          <a:p>
-            <a:r>
-              <a:rPr lang="en-IN" altLang="en-US"/>
-              <a:t>Scaled Dot product Attention</a:t>
-            </a:r>
-            <a:endParaRPr lang="en-IN" altLang="en-US"/>
-          </a:p>
-          <a:p>
-            <a:endParaRPr lang="en-US" altLang="en-US"/>
-          </a:p>
-          <a:p>
-            <a:r>
-              <a:rPr lang="en-US" altLang="en-US"/>
-              <a:t>          Why is Self Attention called "Self"? | Self Attention Vs Luong Attention in Depth Lecture | CampusX</a:t>
-            </a:r>
-            <a:endParaRPr lang="en-US" altLang="en-US"/>
-          </a:p>
-          <a:p>
-            <a:r>
-              <a:rPr lang="en-US" altLang="en-US"/>
-              <a:t>        </a:t>
-            </a:r>
-            <a:endParaRPr lang="en-US" altLang="en-US"/>
-          </a:p>
-          <a:p>
-            <a:r>
-              <a:rPr lang="en-US" altLang="en-US"/>
-              <a:t>          What is Multi-head Attention in Transformers | Multi-head Attention v Self Attention | Deep Learning</a:t>
-            </a:r>
-            <a:endParaRPr lang="en-US" altLang="en-US"/>
-          </a:p>
-          <a:p>
-            <a:r>
-              <a:rPr lang="en-US" altLang="en-US"/>
-              <a:t>        </a:t>
-            </a:r>
-            <a:endParaRPr lang="en-US" altLang="en-US"/>
-          </a:p>
-          <a:p>
-            <a:r>
-              <a:rPr lang="en-US" altLang="en-US"/>
-              <a:t>          Positional Encoding in Transformers | Deep Learning | CampusX</a:t>
-            </a:r>
-            <a:endParaRPr lang="en-US" altLang="en-US"/>
-          </a:p>
-          <a:p>
-            <a:r>
-              <a:rPr lang="en-US" altLang="en-US"/>
-              <a:t>          Layer Normalization in Transformers | Layer Norm Vs Batch Norm</a:t>
-            </a:r>
-            <a:endParaRPr lang="en-US" altLang="en-US"/>
-          </a:p>
-          <a:p>
-            <a:r>
-              <a:rPr lang="en-US" altLang="en-US"/>
-              <a:t>        </a:t>
-            </a:r>
-            <a:endParaRPr lang="en-US" altLang="en-US"/>
-          </a:p>
-          <a:p>
-            <a:r>
-              <a:rPr lang="en-US" altLang="en-US"/>
-              <a:t>          Transformer Architecture | Part 1 Encoder Architecture | CampusX</a:t>
-            </a:r>
-            <a:endParaRPr lang="en-US" altLang="en-US"/>
-          </a:p>
-          <a:p>
-            <a:r>
-              <a:rPr lang="en-US" altLang="en-US"/>
-              <a:t>        </a:t>
-            </a:r>
-            <a:endParaRPr lang="en-US" altLang="en-US"/>
-          </a:p>
-          <a:p>
-            <a:r>
-              <a:rPr lang="en-US" altLang="en-US"/>
-              <a:t>          Masked Self Attention | Masked Multi-head Attention in Transformer | Transformer Decoder</a:t>
-            </a:r>
-            <a:endParaRPr lang="en-US" altLang="en-US"/>
-          </a:p>
-          <a:p>
-            <a:r>
-              <a:rPr lang="en-US" altLang="en-US"/>
-              <a:t>        </a:t>
-            </a:r>
-            <a:endParaRPr lang="en-US" altLang="en-US"/>
-          </a:p>
-          <a:p>
-            <a:r>
-              <a:rPr lang="en-US" altLang="en-US"/>
-              <a:t>          Cross Attention in Transformers | 100 Days Of Deep Learning | CampusX</a:t>
-            </a:r>
-            <a:endParaRPr lang="en-US" altLang="en-US"/>
-          </a:p>
-          <a:p>
-            <a:r>
-              <a:rPr lang="en-US" altLang="en-US"/>
-              <a:t>        </a:t>
-            </a:r>
-            <a:endParaRPr lang="en-US" altLang="en-US"/>
-          </a:p>
-          <a:p>
-            <a:r>
-              <a:rPr lang="en-US" altLang="en-US"/>
-              <a:t>          Transformer Decoder Architecture | Deep Learning | CampusX</a:t>
-            </a:r>
-            <a:endParaRPr lang="en-US" altLang="en-US"/>
-          </a:p>
-          <a:p>
-            <a:r>
-              <a:rPr lang="en-US" altLang="en-US"/>
-              <a:t>        </a:t>
-            </a:r>
-            <a:endParaRPr lang="en-US" altLang="en-US"/>
-          </a:p>
-          <a:p>
-            <a:r>
-              <a:rPr lang="en-US" altLang="en-US"/>
-              <a:t>          Transformer Inference | How Inference is done in Transformer? | Deep Learning | CampusX</a:t>
-            </a:r>
-            <a:endParaRPr lang="en-US" altLang="en-US"/>
-          </a:p>
-          <a:p>
-            <a:r>
-              <a:rPr lang="en-US" altLang="en-US"/>
-              <a:t>        </a:t>
-            </a:r>
-            <a:endParaRPr lang="en-US" altLang="en-US"/>
-          </a:p>
-          <a:p>
-            <a:r>
-              <a:rPr lang="en-US" altLang="en-US"/>
-              <a:t>        </a:t>
-            </a:r>
-            <a:endParaRPr lang="en-US" altLang="en-US"/>
-          </a:p>
-        </p:txBody>
-      </p:sp>
-    </p:spTree>
-  </p:cSld>
-  <p:clrMapOvr>
-    <a:masterClrMapping/>
-  </p:clrMapOvr>
-</p:sld>
-</file>
-
-<file path=ppt/slides/slide2.xml><?xml version="1.0" encoding="utf-8"?>
-<p:sld xmlns:a="http://schemas.openxmlformats.org/drawingml/2006/main" xmlns:r="http://schemas.openxmlformats.org/officeDocument/2006/relationships" xmlns:p="http://schemas.openxmlformats.org/presentationml/2006/main">
-  <p:cSld>
-    <p:spTree>
-      <p:nvGrpSpPr>
-        <p:cNvPr id="1" name=""/>
-        <p:cNvGrpSpPr/>
-        <p:nvPr/>
-      </p:nvGrpSpPr>
-      <p:grpSpPr/>
-      <p:pic>
-        <p:nvPicPr>
-          <p:cNvPr id="4" name="Picture 3"/>
-          <p:cNvPicPr/>
-          <p:nvPr/>
-        </p:nvPicPr>
-        <p:blipFill>
-          <a:blip r:embed="rId1"/>
-          <a:stretch>
-            <a:fillRect/>
-          </a:stretch>
-        </p:blipFill>
-        <p:spPr>
-          <a:xfrm>
-            <a:off x="238760" y="0"/>
-            <a:ext cx="5855970" cy="4417060"/>
-          </a:xfrm>
-          <a:prstGeom prst="rect">
-            <a:avLst/>
-          </a:prstGeom>
-        </p:spPr>
-      </p:pic>
-      <p:sp>
-        <p:nvSpPr>
-          <p:cNvPr id="5" name="Text Box 4"/>
-          <p:cNvSpPr txBox="1"/>
-          <p:nvPr/>
-        </p:nvSpPr>
-        <p:spPr>
-          <a:xfrm>
-            <a:off x="238760" y="6318250"/>
-            <a:ext cx="6096000" cy="368300"/>
-          </a:xfrm>
-          <a:prstGeom prst="rect">
-            <a:avLst/>
-          </a:prstGeom>
-          <a:noFill/>
-        </p:spPr>
-        <p:txBody>
-          <a:bodyPr wrap="square" rtlCol="0" anchor="t">
-            <a:spAutoFit/>
-          </a:bodyPr>
-          <a:p>
-            <a:r>
-              <a:rPr lang="en-US" altLang="en-US"/>
-              <a:t>https://ellow.io/components-of-ai/</a:t>
-            </a:r>
-            <a:endParaRPr lang="en-US"/>
-          </a:p>
-        </p:txBody>
-      </p:sp>
-      <p:pic>
-        <p:nvPicPr>
-          <p:cNvPr id="6" name="Picture 5"/>
-          <p:cNvPicPr/>
-          <p:nvPr/>
-        </p:nvPicPr>
-        <p:blipFill>
-          <a:blip r:embed="rId2"/>
-          <a:stretch>
-            <a:fillRect/>
-          </a:stretch>
-        </p:blipFill>
-        <p:spPr>
-          <a:xfrm>
-            <a:off x="6477000" y="2571750"/>
-            <a:ext cx="5715000" cy="4286250"/>
-          </a:xfrm>
-          <a:prstGeom prst="rect">
-            <a:avLst/>
-          </a:prstGeom>
-        </p:spPr>
-      </p:pic>
-    </p:spTree>
-  </p:cSld>
-  <p:clrMapOvr>
-    <a:masterClrMapping/>
-  </p:clrMapOvr>
-</p:sld>
-</file>
-
-<file path=ppt/slides/slide3.xml><?xml version="1.0" encoding="utf-8"?>
-<p:sld xmlns:a="http://schemas.openxmlformats.org/drawingml/2006/main" xmlns:r="http://schemas.openxmlformats.org/officeDocument/2006/relationships" xmlns:p="http://schemas.openxmlformats.org/presentationml/2006/main">
-  <p:cSld>
-    <p:spTree>
-      <p:nvGrpSpPr>
-        <p:cNvPr id="1" name=""/>
-        <p:cNvGrpSpPr/>
-        <p:nvPr/>
-      </p:nvGrpSpPr>
-      <p:grpSpPr/>
-      <p:sp>
-        <p:nvSpPr>
-          <p:cNvPr id="3" name="Text Box 2"/>
-          <p:cNvSpPr txBox="1"/>
-          <p:nvPr/>
-        </p:nvSpPr>
-        <p:spPr>
-          <a:xfrm>
-            <a:off x="0" y="0"/>
-            <a:ext cx="2840990" cy="2122805"/>
-          </a:xfrm>
-          <a:prstGeom prst="rect">
-            <a:avLst/>
-          </a:prstGeom>
-          <a:noFill/>
-        </p:spPr>
-        <p:txBody>
-          <a:bodyPr wrap="square" rtlCol="0">
-            <a:spAutoFit/>
-          </a:bodyPr>
-          <a:p>
-            <a:r>
-              <a:rPr lang="en-US" sz="4400" b="1">
-                <a:solidFill>
-                  <a:srgbClr val="FF0000"/>
-                </a:solidFill>
-                <a:effectLst>
-                  <a:outerShdw blurRad="38100" dist="38100" dir="2700000" algn="tl">
-                    <a:srgbClr val="000000">
-                      <a:alpha val="43137"/>
-                    </a:srgbClr>
-                  </a:outerShdw>
-                </a:effectLst>
-              </a:rPr>
-              <a:t>Algorithms and models </a:t>
-            </a:r>
-            <a:endParaRPr lang="en-US" sz="4400" b="1">
               <a:solidFill>
                 <a:srgbClr val="FF0000"/>
               </a:solidFill>
@@ -3882,7 +3543,1163 @@
 </p:sld>
 </file>
 
+<file path=ppt/slides/slide2.xml><?xml version="1.0" encoding="utf-8"?>
+<p:sld xmlns:a="http://schemas.openxmlformats.org/drawingml/2006/main" xmlns:r="http://schemas.openxmlformats.org/officeDocument/2006/relationships" xmlns:p="http://schemas.openxmlformats.org/presentationml/2006/main">
+  <p:cSld>
+    <p:spTree>
+      <p:nvGrpSpPr>
+        <p:cNvPr id="1" name=""/>
+        <p:cNvGrpSpPr/>
+        <p:nvPr/>
+      </p:nvGrpSpPr>
+      <p:grpSpPr/>
+      <p:pic>
+        <p:nvPicPr>
+          <p:cNvPr id="2" name="Picture 1"/>
+          <p:cNvPicPr/>
+          <p:nvPr/>
+        </p:nvPicPr>
+        <p:blipFill>
+          <a:blip r:embed="rId1"/>
+          <a:srcRect b="2296"/>
+          <a:stretch>
+            <a:fillRect/>
+          </a:stretch>
+        </p:blipFill>
+        <p:spPr>
+          <a:xfrm>
+            <a:off x="2106930" y="157480"/>
+            <a:ext cx="7722870" cy="6700520"/>
+          </a:xfrm>
+          <a:prstGeom prst="rect">
+            <a:avLst/>
+          </a:prstGeom>
+        </p:spPr>
+      </p:pic>
+    </p:spTree>
+  </p:cSld>
+  <p:clrMapOvr>
+    <a:masterClrMapping/>
+  </p:clrMapOvr>
+</p:sld>
+</file>
+
+<file path=ppt/slides/slide3.xml><?xml version="1.0" encoding="utf-8"?>
+<p:sld xmlns:a="http://schemas.openxmlformats.org/drawingml/2006/main" xmlns:r="http://schemas.openxmlformats.org/officeDocument/2006/relationships" xmlns:p="http://schemas.openxmlformats.org/presentationml/2006/main">
+  <p:cSld>
+    <p:spTree>
+      <p:nvGrpSpPr>
+        <p:cNvPr id="1" name=""/>
+        <p:cNvGrpSpPr/>
+        <p:nvPr/>
+      </p:nvGrpSpPr>
+      <p:grpSpPr/>
+      <p:sp>
+        <p:nvSpPr>
+          <p:cNvPr id="2" name="Text Box 1"/>
+          <p:cNvSpPr txBox="1"/>
+          <p:nvPr/>
+        </p:nvSpPr>
+        <p:spPr>
+          <a:xfrm>
+            <a:off x="509270" y="103505"/>
+            <a:ext cx="6096000" cy="368300"/>
+          </a:xfrm>
+          <a:prstGeom prst="rect">
+            <a:avLst/>
+          </a:prstGeom>
+          <a:noFill/>
+        </p:spPr>
+        <p:txBody>
+          <a:bodyPr wrap="square" rtlCol="0" anchor="t">
+            <a:spAutoFit/>
+          </a:bodyPr>
+          <a:p>
+            <a:r>
+              <a:rPr lang="en-US" altLang="en-US"/>
+              <a:t>https://www.aegissofttech.com/insights/generative-ai-models/</a:t>
+            </a:r>
+            <a:endParaRPr lang="en-US"/>
+          </a:p>
+        </p:txBody>
+      </p:sp>
+      <p:sp>
+        <p:nvSpPr>
+          <p:cNvPr id="3" name="Text Box 2"/>
+          <p:cNvSpPr txBox="1"/>
+          <p:nvPr/>
+        </p:nvSpPr>
+        <p:spPr>
+          <a:xfrm>
+            <a:off x="173990" y="939800"/>
+            <a:ext cx="4364355" cy="5171440"/>
+          </a:xfrm>
+          <a:prstGeom prst="rect">
+            <a:avLst/>
+          </a:prstGeom>
+          <a:noFill/>
+        </p:spPr>
+        <p:txBody>
+          <a:bodyPr wrap="square" rtlCol="0">
+            <a:noAutofit/>
+          </a:bodyPr>
+          <a:p>
+            <a:pPr indent="0">
+              <a:buNone/>
+            </a:pPr>
+            <a:r>
+              <a:rPr lang="en-US" b="1">
+                <a:solidFill>
+                  <a:srgbClr val="C00000"/>
+                </a:solidFill>
+                <a:effectLst>
+                  <a:outerShdw blurRad="38100" dist="38100" dir="2700000" algn="tl">
+                    <a:srgbClr val="000000">
+                      <a:alpha val="43137"/>
+                    </a:srgbClr>
+                  </a:outerShdw>
+                </a:effectLst>
+              </a:rPr>
+              <a:t>Gen AI Pre-requisite</a:t>
+            </a:r>
+            <a:endParaRPr lang="en-US" b="1">
+              <a:solidFill>
+                <a:srgbClr val="C00000"/>
+              </a:solidFill>
+              <a:effectLst>
+                <a:outerShdw blurRad="38100" dist="38100" dir="2700000" algn="tl">
+                  <a:srgbClr val="000000">
+                    <a:alpha val="43137"/>
+                  </a:srgbClr>
+                </a:outerShdw>
+              </a:effectLst>
+            </a:endParaRPr>
+          </a:p>
+          <a:p>
+            <a:pPr marL="342900" indent="-342900">
+              <a:buFont typeface="Arial" panose="020B0604020202020204" pitchFamily="34" charset="0"/>
+              <a:buAutoNum type="arabicPeriod"/>
+            </a:pPr>
+            <a:r>
+              <a:rPr lang="en-US"/>
+              <a:t>python’</a:t>
+            </a:r>
+            <a:endParaRPr lang="en-US"/>
+          </a:p>
+          <a:p>
+            <a:pPr marL="342900" indent="-342900">
+              <a:buFont typeface="Arial" panose="020B0604020202020204" pitchFamily="34" charset="0"/>
+              <a:buAutoNum type="arabicPeriod"/>
+            </a:pPr>
+            <a:r>
+              <a:rPr lang="en-US"/>
+              <a:t>basic ML</a:t>
+            </a:r>
+            <a:endParaRPr lang="en-US"/>
+          </a:p>
+          <a:p>
+            <a:pPr marL="342900" indent="-342900">
+              <a:buFont typeface="Arial" panose="020B0604020202020204" pitchFamily="34" charset="0"/>
+              <a:buAutoNum type="arabicPeriod"/>
+            </a:pPr>
+            <a:r>
+              <a:rPr lang="en-US"/>
+              <a:t>NLP(</a:t>
+            </a:r>
+            <a:endParaRPr lang="en-US"/>
+          </a:p>
+          <a:p>
+            <a:pPr marL="342900" indent="-342900">
+              <a:buFont typeface="Arial" panose="020B0604020202020204" pitchFamily="34" charset="0"/>
+              <a:buAutoNum type="arabicPeriod"/>
+            </a:pPr>
+            <a:r>
+              <a:rPr lang="en-US"/>
+              <a:t>basic(</a:t>
+            </a:r>
+            <a:r>
+              <a:rPr lang="en-US" altLang="en-US"/>
+              <a:t>Welcome to the module on NLp, NLP Key Challenges,Linguistics</a:t>
+            </a:r>
+            <a:endParaRPr lang="en-US" altLang="en-US"/>
+          </a:p>
+          <a:p>
+            <a:pPr marL="342900" indent="-342900">
+              <a:buFont typeface="Arial" panose="020B0604020202020204" pitchFamily="34" charset="0"/>
+              <a:buAutoNum type="arabicPeriod"/>
+            </a:pPr>
+            <a:r>
+              <a:rPr lang="en-US"/>
+              <a:t>embedding(word2vec, cbow,skipgram,glove,cosine similarity)</a:t>
+            </a:r>
+            <a:endParaRPr lang="en-US"/>
+          </a:p>
+          <a:p>
+            <a:pPr marL="342900" indent="-342900">
+              <a:buFont typeface="Arial" panose="020B0604020202020204" pitchFamily="34" charset="0"/>
+              <a:buAutoNum type="arabicPeriod"/>
+            </a:pPr>
+            <a:r>
+              <a:rPr lang="en-US"/>
+              <a:t>NN(RNN,LSTM, GRU, BI-RNN)</a:t>
+            </a:r>
+            <a:endParaRPr lang="en-US"/>
+          </a:p>
+          <a:p>
+            <a:pPr marL="342900" indent="-342900">
+              <a:buFont typeface="Arial" panose="020B0604020202020204" pitchFamily="34" charset="0"/>
+              <a:buAutoNum type="arabicPeriod"/>
+            </a:pPr>
+            <a:r>
+              <a:rPr lang="en-US"/>
+              <a:t>DL(Ann, Activation, CNN,</a:t>
+            </a:r>
+            <a:r>
+              <a:rPr lang="en-US" altLang="en-US"/>
+              <a:t>VGG16,MobileNet, Transfer Learning</a:t>
+            </a:r>
+            <a:r>
+              <a:rPr lang="en-US"/>
+              <a:t>)</a:t>
+            </a:r>
+            <a:endParaRPr lang="en-US"/>
+          </a:p>
+          <a:p>
+            <a:pPr marL="342900" indent="-342900">
+              <a:buFont typeface="Arial" panose="020B0604020202020204" pitchFamily="34" charset="0"/>
+              <a:buAutoNum type="arabicPeriod"/>
+            </a:pPr>
+            <a:r>
+              <a:rPr lang="en-US"/>
+              <a:t>Transformers( </a:t>
+            </a:r>
+            <a:r>
+              <a:rPr lang="en-US" altLang="en-US"/>
+              <a:t>Welcome to the journey of Gen AI,Transformers Types,Self Attention is all you need!!,Encoder Architecture,Contextual Embeddings,Decoder Architecture </a:t>
+            </a:r>
+            <a:r>
+              <a:rPr lang="en-US"/>
+              <a:t>)</a:t>
+            </a:r>
+            <a:endParaRPr lang="en-US"/>
+          </a:p>
+          <a:p>
+            <a:pPr marL="342900" indent="-342900">
+              <a:buFont typeface="Arial" panose="020B0604020202020204" pitchFamily="34" charset="0"/>
+              <a:buAutoNum type="arabicPeriod"/>
+            </a:pPr>
+            <a:r>
+              <a:rPr lang="en-US"/>
+              <a:t>encoder ony arch(</a:t>
+            </a:r>
+            <a:r>
+              <a:rPr lang="en-US" altLang="en-US"/>
+              <a:t>BERT Configurations,BERT Fine Tuning,BERT Pre Training (Masked LM),Input Embeddings BERT,ARLM vs AELM,RoBERTa,DistilBERT,AlBERT</a:t>
+            </a:r>
+            <a:r>
+              <a:rPr lang="en-US"/>
+              <a:t>)</a:t>
+            </a:r>
+            <a:endParaRPr lang="en-US"/>
+          </a:p>
+          <a:p>
+            <a:pPr marL="342900" indent="-342900">
+              <a:buFont typeface="Arial" panose="020B0604020202020204" pitchFamily="34" charset="0"/>
+              <a:buAutoNum type="arabicPeriod"/>
+            </a:pPr>
+            <a:r>
+              <a:rPr lang="en-US"/>
+              <a:t>decoder only arch(</a:t>
+            </a:r>
+            <a:r>
+              <a:rPr lang="en-US" altLang="en-US"/>
+              <a:t>GPT Architecture,GPT (Masked Multi Head Attention),GPT Blocks,GPT Training</a:t>
+            </a:r>
+            <a:r>
+              <a:rPr lang="en-US"/>
+              <a:t>)</a:t>
+            </a:r>
+            <a:endParaRPr lang="en-US"/>
+          </a:p>
+          <a:p>
+            <a:pPr marL="342900" indent="-342900">
+              <a:buFont typeface="Arial" panose="020B0604020202020204" pitchFamily="34" charset="0"/>
+              <a:buAutoNum type="arabicPeriod"/>
+            </a:pPr>
+            <a:endParaRPr lang="en-US"/>
+          </a:p>
+        </p:txBody>
+      </p:sp>
+      <p:sp>
+        <p:nvSpPr>
+          <p:cNvPr id="4" name="Text Box 3"/>
+          <p:cNvSpPr txBox="1"/>
+          <p:nvPr/>
+        </p:nvSpPr>
+        <p:spPr>
+          <a:xfrm>
+            <a:off x="4434205" y="939800"/>
+            <a:ext cx="2317750" cy="1995805"/>
+          </a:xfrm>
+          <a:prstGeom prst="rect">
+            <a:avLst/>
+          </a:prstGeom>
+        </p:spPr>
+        <p:txBody>
+          <a:bodyPr>
+            <a:noAutofit/>
+          </a:bodyPr>
+          <a:p>
+            <a:pPr>
+              <a:lnSpc>
+                <a:spcPct val="100000"/>
+              </a:lnSpc>
+            </a:pPr>
+            <a:r>
+              <a:rPr lang="en-US" sz="1600" b="1">
+                <a:solidFill>
+                  <a:schemeClr val="tx1"/>
+                </a:solidFill>
+                <a:latin typeface="Consolas" panose="020B0609020204030204"/>
+                <a:ea typeface="Consolas" panose="020B0609020204030204"/>
+              </a:rPr>
+              <a:t>nlp basic</a:t>
+            </a:r>
+            <a:endParaRPr sz="1600" b="1">
+              <a:solidFill>
+                <a:schemeClr val="tx1"/>
+              </a:solidFill>
+              <a:latin typeface="Consolas" panose="020B0609020204030204"/>
+              <a:ea typeface="Consolas" panose="020B0609020204030204"/>
+            </a:endParaRPr>
+          </a:p>
+          <a:p>
+            <a:pPr>
+              <a:lnSpc>
+                <a:spcPct val="100000"/>
+              </a:lnSpc>
+            </a:pPr>
+            <a:r>
+              <a:rPr sz="1600" b="0">
+                <a:solidFill>
+                  <a:schemeClr val="tx1"/>
+                </a:solidFill>
+                <a:latin typeface="Consolas" panose="020B0609020204030204"/>
+                <a:ea typeface="Consolas" panose="020B0609020204030204"/>
+              </a:rPr>
+              <a:t>Case Folding</a:t>
+            </a:r>
+            <a:endParaRPr sz="1600" b="0">
+              <a:solidFill>
+                <a:schemeClr val="tx1"/>
+              </a:solidFill>
+              <a:latin typeface="Consolas" panose="020B0609020204030204"/>
+              <a:ea typeface="Consolas" panose="020B0609020204030204"/>
+            </a:endParaRPr>
+          </a:p>
+          <a:p>
+            <a:pPr>
+              <a:lnSpc>
+                <a:spcPct val="100000"/>
+              </a:lnSpc>
+            </a:pPr>
+            <a:r>
+              <a:rPr sz="1600" b="0">
+                <a:solidFill>
+                  <a:schemeClr val="tx1"/>
+                </a:solidFill>
+                <a:latin typeface="Consolas" panose="020B0609020204030204"/>
+                <a:ea typeface="Consolas" panose="020B0609020204030204"/>
+              </a:rPr>
+              <a:t>Special Character Removal</a:t>
+            </a:r>
+            <a:endParaRPr sz="1600" b="0">
+              <a:solidFill>
+                <a:schemeClr val="tx1"/>
+              </a:solidFill>
+              <a:latin typeface="Consolas" panose="020B0609020204030204"/>
+              <a:ea typeface="Consolas" panose="020B0609020204030204"/>
+            </a:endParaRPr>
+          </a:p>
+          <a:p>
+            <a:pPr>
+              <a:lnSpc>
+                <a:spcPct val="100000"/>
+              </a:lnSpc>
+            </a:pPr>
+            <a:r>
+              <a:rPr sz="1600" b="0">
+                <a:solidFill>
+                  <a:schemeClr val="tx1"/>
+                </a:solidFill>
+                <a:latin typeface="Consolas" panose="020B0609020204030204"/>
+                <a:ea typeface="Consolas" panose="020B0609020204030204"/>
+              </a:rPr>
+              <a:t>Handling Contractions</a:t>
+            </a:r>
+            <a:endParaRPr sz="1600" b="0">
+              <a:solidFill>
+                <a:schemeClr val="tx1"/>
+              </a:solidFill>
+              <a:latin typeface="Consolas" panose="020B0609020204030204"/>
+              <a:ea typeface="Consolas" panose="020B0609020204030204"/>
+            </a:endParaRPr>
+          </a:p>
+          <a:p>
+            <a:pPr>
+              <a:lnSpc>
+                <a:spcPct val="100000"/>
+              </a:lnSpc>
+            </a:pPr>
+            <a:r>
+              <a:rPr sz="1600" b="0">
+                <a:solidFill>
+                  <a:schemeClr val="tx1"/>
+                </a:solidFill>
+                <a:latin typeface="Consolas" panose="020B0609020204030204"/>
+                <a:ea typeface="Consolas" panose="020B0609020204030204"/>
+              </a:rPr>
+              <a:t>Tokenization</a:t>
+            </a:r>
+            <a:endParaRPr sz="1600" b="0">
+              <a:solidFill>
+                <a:schemeClr val="tx1"/>
+              </a:solidFill>
+              <a:latin typeface="Consolas" panose="020B0609020204030204"/>
+              <a:ea typeface="Consolas" panose="020B0609020204030204"/>
+            </a:endParaRPr>
+          </a:p>
+          <a:p>
+            <a:pPr>
+              <a:lnSpc>
+                <a:spcPct val="100000"/>
+              </a:lnSpc>
+            </a:pPr>
+            <a:r>
+              <a:rPr sz="1600" b="0">
+                <a:solidFill>
+                  <a:schemeClr val="tx1"/>
+                </a:solidFill>
+                <a:latin typeface="Consolas" panose="020B0609020204030204"/>
+                <a:ea typeface="Consolas" panose="020B0609020204030204"/>
+              </a:rPr>
+              <a:t>Stop Words Removal</a:t>
+            </a:r>
+            <a:endParaRPr sz="1600" b="0">
+              <a:solidFill>
+                <a:schemeClr val="tx1"/>
+              </a:solidFill>
+              <a:latin typeface="Consolas" panose="020B0609020204030204"/>
+              <a:ea typeface="Consolas" panose="020B0609020204030204"/>
+            </a:endParaRPr>
+          </a:p>
+          <a:p>
+            <a:pPr>
+              <a:lnSpc>
+                <a:spcPct val="100000"/>
+              </a:lnSpc>
+            </a:pPr>
+            <a:r>
+              <a:rPr sz="1600" b="0">
+                <a:solidFill>
+                  <a:schemeClr val="tx1"/>
+                </a:solidFill>
+                <a:latin typeface="Consolas" panose="020B0609020204030204"/>
+                <a:ea typeface="Consolas" panose="020B0609020204030204"/>
+              </a:rPr>
+              <a:t>nGrams</a:t>
+            </a:r>
+            <a:endParaRPr sz="1600" b="0">
+              <a:solidFill>
+                <a:schemeClr val="tx1"/>
+              </a:solidFill>
+              <a:latin typeface="Consolas" panose="020B0609020204030204"/>
+              <a:ea typeface="Consolas" panose="020B0609020204030204"/>
+            </a:endParaRPr>
+          </a:p>
+          <a:p>
+            <a:pPr>
+              <a:lnSpc>
+                <a:spcPct val="100000"/>
+              </a:lnSpc>
+            </a:pPr>
+            <a:r>
+              <a:rPr sz="1600" b="0">
+                <a:solidFill>
+                  <a:schemeClr val="tx1"/>
+                </a:solidFill>
+                <a:latin typeface="Consolas" panose="020B0609020204030204"/>
+                <a:ea typeface="Consolas" panose="020B0609020204030204"/>
+              </a:rPr>
+              <a:t>Vectorization</a:t>
+            </a:r>
+            <a:endParaRPr sz="1600" b="0">
+              <a:solidFill>
+                <a:schemeClr val="tx1"/>
+              </a:solidFill>
+              <a:latin typeface="Consolas" panose="020B0609020204030204"/>
+              <a:ea typeface="Consolas" panose="020B0609020204030204"/>
+            </a:endParaRPr>
+          </a:p>
+          <a:p>
+            <a:pPr>
+              <a:lnSpc>
+                <a:spcPct val="100000"/>
+              </a:lnSpc>
+            </a:pPr>
+            <a:r>
+              <a:rPr sz="1600" b="0">
+                <a:solidFill>
+                  <a:schemeClr val="tx1"/>
+                </a:solidFill>
+                <a:latin typeface="Consolas" panose="020B0609020204030204"/>
+                <a:ea typeface="Consolas" panose="020B0609020204030204"/>
+              </a:rPr>
+              <a:t>Word Embeddings</a:t>
+            </a:r>
+            <a:endParaRPr sz="1600" b="0">
+              <a:solidFill>
+                <a:schemeClr val="tx1"/>
+              </a:solidFill>
+              <a:latin typeface="Consolas" panose="020B0609020204030204"/>
+              <a:ea typeface="Consolas" panose="020B0609020204030204"/>
+            </a:endParaRPr>
+          </a:p>
+          <a:p>
+            <a:pPr>
+              <a:lnSpc>
+                <a:spcPct val="100000"/>
+              </a:lnSpc>
+            </a:pPr>
+            <a:r>
+              <a:rPr sz="1600" b="0">
+                <a:solidFill>
+                  <a:schemeClr val="tx1"/>
+                </a:solidFill>
+                <a:latin typeface="Consolas" panose="020B0609020204030204"/>
+                <a:ea typeface="Consolas" panose="020B0609020204030204"/>
+              </a:rPr>
+              <a:t>Bag of Words (Theory)</a:t>
+            </a:r>
+            <a:endParaRPr sz="1600" b="0">
+              <a:solidFill>
+                <a:schemeClr val="tx1"/>
+              </a:solidFill>
+              <a:latin typeface="Consolas" panose="020B0609020204030204"/>
+              <a:ea typeface="Consolas" panose="020B0609020204030204"/>
+            </a:endParaRPr>
+          </a:p>
+          <a:p>
+            <a:pPr>
+              <a:lnSpc>
+                <a:spcPct val="100000"/>
+              </a:lnSpc>
+            </a:pPr>
+            <a:r>
+              <a:rPr sz="1600" b="0">
+                <a:solidFill>
+                  <a:schemeClr val="tx1"/>
+                </a:solidFill>
+                <a:latin typeface="Consolas" panose="020B0609020204030204"/>
+                <a:ea typeface="Consolas" panose="020B0609020204030204"/>
+              </a:rPr>
+              <a:t>Bag of Words (Practicals)</a:t>
+            </a:r>
+            <a:endParaRPr sz="1600" b="0">
+              <a:solidFill>
+                <a:schemeClr val="tx1"/>
+              </a:solidFill>
+              <a:latin typeface="Consolas" panose="020B0609020204030204"/>
+              <a:ea typeface="Consolas" panose="020B0609020204030204"/>
+            </a:endParaRPr>
+          </a:p>
+          <a:p>
+            <a:pPr>
+              <a:lnSpc>
+                <a:spcPct val="100000"/>
+              </a:lnSpc>
+            </a:pPr>
+            <a:r>
+              <a:rPr sz="1600" b="0">
+                <a:solidFill>
+                  <a:schemeClr val="tx1"/>
+                </a:solidFill>
+                <a:latin typeface="Consolas" panose="020B0609020204030204"/>
+                <a:ea typeface="Consolas" panose="020B0609020204030204"/>
+              </a:rPr>
+              <a:t>TF-IDF (Theory)</a:t>
+            </a:r>
+            <a:endParaRPr sz="1600" b="0">
+              <a:solidFill>
+                <a:schemeClr val="tx1"/>
+              </a:solidFill>
+              <a:latin typeface="Consolas" panose="020B0609020204030204"/>
+              <a:ea typeface="Consolas" panose="020B0609020204030204"/>
+            </a:endParaRPr>
+          </a:p>
+          <a:p>
+            <a:pPr>
+              <a:lnSpc>
+                <a:spcPct val="100000"/>
+              </a:lnSpc>
+            </a:pPr>
+            <a:r>
+              <a:rPr sz="1600" b="0">
+                <a:solidFill>
+                  <a:schemeClr val="tx1"/>
+                </a:solidFill>
+                <a:latin typeface="Consolas" panose="020B0609020204030204"/>
+                <a:ea typeface="Consolas" panose="020B0609020204030204"/>
+              </a:rPr>
+              <a:t>TF-IDF (Practicals)</a:t>
+            </a:r>
+            <a:endParaRPr sz="1600" b="0">
+              <a:solidFill>
+                <a:schemeClr val="tx1"/>
+              </a:solidFill>
+              <a:latin typeface="Consolas" panose="020B0609020204030204"/>
+              <a:ea typeface="Consolas" panose="020B0609020204030204"/>
+            </a:endParaRPr>
+          </a:p>
+          <a:p>
+            <a:pPr>
+              <a:lnSpc>
+                <a:spcPct val="100000"/>
+              </a:lnSpc>
+            </a:pPr>
+            <a:r>
+              <a:rPr sz="1600" b="0">
+                <a:solidFill>
+                  <a:schemeClr val="tx1"/>
+                </a:solidFill>
+                <a:latin typeface="Consolas" panose="020B0609020204030204"/>
+                <a:ea typeface="Consolas" panose="020B0609020204030204"/>
+              </a:rPr>
+              <a:t>Part of Speech Tagging &amp; NER</a:t>
+            </a:r>
+            <a:endParaRPr sz="1600" b="0">
+              <a:solidFill>
+                <a:schemeClr val="tx1"/>
+              </a:solidFill>
+              <a:latin typeface="Consolas" panose="020B0609020204030204"/>
+              <a:ea typeface="Consolas" panose="020B0609020204030204"/>
+            </a:endParaRPr>
+          </a:p>
+          <a:p>
+            <a:pPr>
+              <a:lnSpc>
+                <a:spcPct val="100000"/>
+              </a:lnSpc>
+            </a:pPr>
+            <a:r>
+              <a:rPr sz="1600" b="0">
+                <a:solidFill>
+                  <a:schemeClr val="tx1"/>
+                </a:solidFill>
+                <a:latin typeface="Consolas" panose="020B0609020204030204"/>
+                <a:ea typeface="Consolas" panose="020B0609020204030204"/>
+              </a:rPr>
+              <a:t>Named Entity Recognition (Practicals)</a:t>
+            </a:r>
+            <a:endParaRPr sz="1600" b="0">
+              <a:solidFill>
+                <a:schemeClr val="tx1"/>
+              </a:solidFill>
+              <a:latin typeface="Consolas" panose="020B0609020204030204"/>
+              <a:ea typeface="Consolas" panose="020B0609020204030204"/>
+            </a:endParaRPr>
+          </a:p>
+        </p:txBody>
+      </p:sp>
+      <p:sp>
+        <p:nvSpPr>
+          <p:cNvPr id="5" name="Text Box 4"/>
+          <p:cNvSpPr txBox="1"/>
+          <p:nvPr/>
+        </p:nvSpPr>
+        <p:spPr>
+          <a:xfrm>
+            <a:off x="6508115" y="103505"/>
+            <a:ext cx="5945505" cy="6739255"/>
+          </a:xfrm>
+          <a:prstGeom prst="rect">
+            <a:avLst/>
+          </a:prstGeom>
+          <a:noFill/>
+        </p:spPr>
+        <p:txBody>
+          <a:bodyPr wrap="square" rtlCol="0">
+            <a:spAutoFit/>
+          </a:bodyPr>
+          <a:p>
+            <a:pPr marL="342900" indent="-342900">
+              <a:buFont typeface="Arial" panose="020B0604020202020204" pitchFamily="34" charset="0"/>
+              <a:buAutoNum type="arabicPeriod"/>
+            </a:pPr>
+            <a:r>
+              <a:rPr lang="en-US" altLang="en-US"/>
+              <a:t>LLM Basics - Tokens, Context Window, Prompt, Prompt Tuning etc.(What are Tokens,Context Window,What is a Prompt?,Prompt Tuning,Prompt Structures)</a:t>
+            </a:r>
+            <a:endParaRPr lang="en-US" altLang="en-US"/>
+          </a:p>
+          <a:p>
+            <a:pPr marL="342900" indent="-342900">
+              <a:buFont typeface="Arial" panose="020B0604020202020204" pitchFamily="34" charset="0"/>
+              <a:buAutoNum type="arabicPeriod"/>
+            </a:pPr>
+            <a:r>
+              <a:rPr lang="en-US" altLang="en-US"/>
+              <a:t>Retrieval Augmented Generation(Introduction to RAGs,RAGs - What and Why,RAGs - Use Cases,RAGs reserch paper,RAGs Architectures + VectorDB Architecture,RAGs - Detailed Architecture,RAGs - Research Paper based Chatbot using Open AI (Practicals)</a:t>
+            </a:r>
+            <a:endParaRPr lang="en-US" altLang="en-US"/>
+          </a:p>
+          <a:p>
+            <a:pPr marL="342900" indent="-342900">
+              <a:buFont typeface="Arial" panose="020B0604020202020204" pitchFamily="34" charset="0"/>
+              <a:buAutoNum type="arabicPeriod"/>
+            </a:pPr>
+            <a:r>
+              <a:rPr lang="en-US" altLang="en-US"/>
+              <a:t>LangChain</a:t>
+            </a:r>
+            <a:endParaRPr lang="en-US" altLang="en-US"/>
+          </a:p>
+          <a:p>
+            <a:pPr marL="342900" indent="-342900">
+              <a:buFont typeface="Arial" panose="020B0604020202020204" pitchFamily="34" charset="0"/>
+              <a:buAutoNum type="arabicPeriod"/>
+            </a:pPr>
+            <a:r>
+              <a:rPr lang="en-US" altLang="en-US"/>
+              <a:t>Introduction to Prompt Engineering,Types of Prompting,Few Shot Limitations,Chain of Thoughts Prompting</a:t>
+            </a:r>
+            <a:endParaRPr lang="en-US" altLang="en-US"/>
+          </a:p>
+          <a:p>
+            <a:pPr marL="342900" indent="-342900">
+              <a:buFont typeface="Arial" panose="020B0604020202020204" pitchFamily="34" charset="0"/>
+              <a:buAutoNum type="arabicPeriod"/>
+            </a:pPr>
+            <a:r>
+              <a:rPr lang="en-US" altLang="en-US"/>
+              <a:t>Vector Databases,Vector Index vs Vector Database,How Vector db works,Vector Database (Practicals),LSH</a:t>
+            </a:r>
+            <a:endParaRPr lang="en-US" altLang="en-US"/>
+          </a:p>
+          <a:p>
+            <a:pPr marL="342900" indent="-342900">
+              <a:buFont typeface="Arial" panose="020B0604020202020204" pitchFamily="34" charset="0"/>
+              <a:buAutoNum type="arabicPeriod"/>
+            </a:pPr>
+            <a:r>
+              <a:rPr lang="en-US" altLang="en-US"/>
+              <a:t>Deploy GEN AI APP(Introduction,Introduction to Flask,Flask Basic App,Model Building (Breast Cancer),Flask App (Breast Cancer),Role of Cloud in Deployment (AWS),AWS Deployment)</a:t>
+            </a:r>
+            <a:endParaRPr lang="en-US" altLang="en-US"/>
+          </a:p>
+          <a:p>
+            <a:pPr marL="342900" indent="-342900">
+              <a:buFont typeface="Arial" panose="020B0604020202020204" pitchFamily="34" charset="0"/>
+              <a:buAutoNum type="arabicPeriod"/>
+            </a:pPr>
+            <a:r>
+              <a:rPr lang="en-US" altLang="en-US"/>
+              <a:t>GEN AI PROJECT (Research RAG Chatbot,Chat Scholar Chatbot + Essay Grading System,AI Powered Insurance Claims Processing,AI Career Coach (Part 1),AI Career Coach (Part 2),AI Career Coach (Deployment),Sustainability Chatbot (GROK AI)</a:t>
+            </a:r>
+            <a:endParaRPr lang="en-US" altLang="en-US"/>
+          </a:p>
+          <a:p>
+            <a:pPr marL="342900" indent="-342900">
+              <a:buFont typeface="Arial" panose="020B0604020202020204" pitchFamily="34" charset="0"/>
+              <a:buAutoNum type="arabicPeriod"/>
+            </a:pPr>
+            <a:r>
+              <a:rPr lang="en-US" altLang="en-US"/>
+              <a:t>Gen AI Interview Guide</a:t>
+            </a:r>
+            <a:endParaRPr lang="en-US" altLang="en-US"/>
+          </a:p>
+        </p:txBody>
+      </p:sp>
+      <p:sp>
+        <p:nvSpPr>
+          <p:cNvPr id="6" name="Text Box 5"/>
+          <p:cNvSpPr txBox="1"/>
+          <p:nvPr/>
+        </p:nvSpPr>
+        <p:spPr>
+          <a:xfrm>
+            <a:off x="509270" y="398780"/>
+            <a:ext cx="6242050" cy="645160"/>
+          </a:xfrm>
+          <a:prstGeom prst="rect">
+            <a:avLst/>
+          </a:prstGeom>
+          <a:noFill/>
+        </p:spPr>
+        <p:txBody>
+          <a:bodyPr wrap="square" rtlCol="0" anchor="t">
+            <a:spAutoFit/>
+          </a:bodyPr>
+          <a:p>
+            <a:r>
+              <a:rPr lang="en-US" altLang="en-US"/>
+              <a:t>https://www.udemy.com/course/mastering-generative-ai/learn/lecture/45656721?start=0#overview</a:t>
+            </a:r>
+            <a:endParaRPr lang="en-US"/>
+          </a:p>
+        </p:txBody>
+      </p:sp>
+    </p:spTree>
+  </p:cSld>
+  <p:clrMapOvr>
+    <a:masterClrMapping/>
+  </p:clrMapOvr>
+</p:sld>
+</file>
+
 <file path=ppt/slides/slide4.xml><?xml version="1.0" encoding="utf-8"?>
+<p:sld xmlns:a="http://schemas.openxmlformats.org/drawingml/2006/main" xmlns:r="http://schemas.openxmlformats.org/officeDocument/2006/relationships" xmlns:p="http://schemas.openxmlformats.org/presentationml/2006/main">
+  <p:cSld>
+    <p:spTree>
+      <p:nvGrpSpPr>
+        <p:cNvPr id="1" name=""/>
+        <p:cNvGrpSpPr/>
+        <p:nvPr/>
+      </p:nvGrpSpPr>
+      <p:grpSpPr/>
+      <p:sp>
+        <p:nvSpPr>
+          <p:cNvPr id="2" name="Text Box 1"/>
+          <p:cNvSpPr txBox="1"/>
+          <p:nvPr/>
+        </p:nvSpPr>
+        <p:spPr>
+          <a:xfrm>
+            <a:off x="1024890" y="0"/>
+            <a:ext cx="6096000" cy="768350"/>
+          </a:xfrm>
+          <a:prstGeom prst="rect">
+            <a:avLst/>
+          </a:prstGeom>
+          <a:noFill/>
+        </p:spPr>
+        <p:txBody>
+          <a:bodyPr wrap="square" rtlCol="0" anchor="t">
+            <a:spAutoFit/>
+          </a:bodyPr>
+          <a:p>
+            <a:r>
+              <a:rPr lang="en-IN" altLang="en-US" sz="4400" b="1">
+                <a:solidFill>
+                  <a:srgbClr val="FF0000"/>
+                </a:solidFill>
+                <a:effectLst>
+                  <a:outerShdw blurRad="38100" dist="38100" dir="2700000" algn="tl">
+                    <a:srgbClr val="000000">
+                      <a:alpha val="43137"/>
+                    </a:srgbClr>
+                  </a:outerShdw>
+                </a:effectLst>
+                <a:sym typeface="+mn-ea"/>
+              </a:rPr>
+              <a:t>TRANSFORMERS</a:t>
+            </a:r>
+            <a:endParaRPr lang="en-IN" altLang="en-US" sz="4400" b="1">
+              <a:solidFill>
+                <a:srgbClr val="FF0000"/>
+              </a:solidFill>
+              <a:effectLst>
+                <a:outerShdw blurRad="38100" dist="38100" dir="2700000" algn="tl">
+                  <a:srgbClr val="000000">
+                    <a:alpha val="43137"/>
+                  </a:srgbClr>
+                </a:outerShdw>
+              </a:effectLst>
+              <a:sym typeface="+mn-ea"/>
+            </a:endParaRPr>
+          </a:p>
+        </p:txBody>
+      </p:sp>
+      <p:sp>
+        <p:nvSpPr>
+          <p:cNvPr id="3" name="Text Box 2"/>
+          <p:cNvSpPr txBox="1"/>
+          <p:nvPr/>
+        </p:nvSpPr>
+        <p:spPr>
+          <a:xfrm>
+            <a:off x="579755" y="768350"/>
+            <a:ext cx="10884535" cy="5994400"/>
+          </a:xfrm>
+          <a:prstGeom prst="rect">
+            <a:avLst/>
+          </a:prstGeom>
+          <a:noFill/>
+        </p:spPr>
+        <p:txBody>
+          <a:bodyPr wrap="square" rtlCol="0">
+            <a:noAutofit/>
+          </a:bodyPr>
+          <a:p>
+            <a:r>
+              <a:rPr lang="en-IN" altLang="en-US"/>
+              <a:t>Encoder Decoder</a:t>
+            </a:r>
+            <a:endParaRPr lang="en-IN" altLang="en-US"/>
+          </a:p>
+          <a:p>
+            <a:r>
+              <a:rPr lang="en-IN" altLang="en-US"/>
+              <a:t>Attention</a:t>
+            </a:r>
+            <a:endParaRPr lang="en-IN" altLang="en-US"/>
+          </a:p>
+          <a:p>
+            <a:r>
+              <a:rPr lang="en-IN" altLang="en-US"/>
+              <a:t>Self attentions and their Geometric intutions</a:t>
+            </a:r>
+            <a:endParaRPr lang="en-IN" altLang="en-US"/>
+          </a:p>
+          <a:p>
+            <a:r>
+              <a:rPr lang="en-IN" altLang="en-US"/>
+              <a:t>Scaled Dot product Attention</a:t>
+            </a:r>
+            <a:endParaRPr lang="en-IN" altLang="en-US"/>
+          </a:p>
+          <a:p>
+            <a:endParaRPr lang="en-US" altLang="en-US"/>
+          </a:p>
+          <a:p>
+            <a:r>
+              <a:rPr lang="en-US" altLang="en-US"/>
+              <a:t>          Why is Self Attention called "Self"? | Self Attention Vs Luong Attention in Depth Lecture | CampusX</a:t>
+            </a:r>
+            <a:endParaRPr lang="en-US" altLang="en-US"/>
+          </a:p>
+          <a:p>
+            <a:r>
+              <a:rPr lang="en-US" altLang="en-US"/>
+              <a:t>        </a:t>
+            </a:r>
+            <a:endParaRPr lang="en-US" altLang="en-US"/>
+          </a:p>
+          <a:p>
+            <a:r>
+              <a:rPr lang="en-US" altLang="en-US"/>
+              <a:t>          What is Multi-head Attention in Transformers | Multi-head Attention v Self Attention | Deep Learning</a:t>
+            </a:r>
+            <a:endParaRPr lang="en-US" altLang="en-US"/>
+          </a:p>
+          <a:p>
+            <a:r>
+              <a:rPr lang="en-US" altLang="en-US"/>
+              <a:t>        </a:t>
+            </a:r>
+            <a:endParaRPr lang="en-US" altLang="en-US"/>
+          </a:p>
+          <a:p>
+            <a:r>
+              <a:rPr lang="en-US" altLang="en-US"/>
+              <a:t>          Positional Encoding in Transformers | Deep Learning | CampusX</a:t>
+            </a:r>
+            <a:endParaRPr lang="en-US" altLang="en-US"/>
+          </a:p>
+          <a:p>
+            <a:r>
+              <a:rPr lang="en-US" altLang="en-US"/>
+              <a:t>          Layer Normalization in Transformers | Layer Norm Vs Batch Norm</a:t>
+            </a:r>
+            <a:endParaRPr lang="en-US" altLang="en-US"/>
+          </a:p>
+          <a:p>
+            <a:r>
+              <a:rPr lang="en-US" altLang="en-US"/>
+              <a:t>        </a:t>
+            </a:r>
+            <a:endParaRPr lang="en-US" altLang="en-US"/>
+          </a:p>
+          <a:p>
+            <a:r>
+              <a:rPr lang="en-US" altLang="en-US"/>
+              <a:t>          Transformer Architecture | Part 1 Encoder Architecture | CampusX</a:t>
+            </a:r>
+            <a:endParaRPr lang="en-US" altLang="en-US"/>
+          </a:p>
+          <a:p>
+            <a:r>
+              <a:rPr lang="en-US" altLang="en-US"/>
+              <a:t>        </a:t>
+            </a:r>
+            <a:endParaRPr lang="en-US" altLang="en-US"/>
+          </a:p>
+          <a:p>
+            <a:r>
+              <a:rPr lang="en-US" altLang="en-US"/>
+              <a:t>          Masked Self Attention | Masked Multi-head Attention in Transformer | Transformer Decoder</a:t>
+            </a:r>
+            <a:endParaRPr lang="en-US" altLang="en-US"/>
+          </a:p>
+          <a:p>
+            <a:r>
+              <a:rPr lang="en-US" altLang="en-US"/>
+              <a:t>        </a:t>
+            </a:r>
+            <a:endParaRPr lang="en-US" altLang="en-US"/>
+          </a:p>
+          <a:p>
+            <a:r>
+              <a:rPr lang="en-US" altLang="en-US"/>
+              <a:t>          Cross Attention in Transformers | 100 Days Of Deep Learning | CampusX</a:t>
+            </a:r>
+            <a:endParaRPr lang="en-US" altLang="en-US"/>
+          </a:p>
+          <a:p>
+            <a:r>
+              <a:rPr lang="en-US" altLang="en-US"/>
+              <a:t>        </a:t>
+            </a:r>
+            <a:endParaRPr lang="en-US" altLang="en-US"/>
+          </a:p>
+          <a:p>
+            <a:r>
+              <a:rPr lang="en-US" altLang="en-US"/>
+              <a:t>          Transformer Decoder Architecture | Deep Learning | CampusX</a:t>
+            </a:r>
+            <a:endParaRPr lang="en-US" altLang="en-US"/>
+          </a:p>
+          <a:p>
+            <a:r>
+              <a:rPr lang="en-US" altLang="en-US"/>
+              <a:t>        </a:t>
+            </a:r>
+            <a:endParaRPr lang="en-US" altLang="en-US"/>
+          </a:p>
+          <a:p>
+            <a:r>
+              <a:rPr lang="en-US" altLang="en-US"/>
+              <a:t>          Transformer Inference | How Inference is done in Transformer? | Deep Learning | CampusX</a:t>
+            </a:r>
+            <a:endParaRPr lang="en-US" altLang="en-US"/>
+          </a:p>
+          <a:p>
+            <a:r>
+              <a:rPr lang="en-US" altLang="en-US"/>
+              <a:t>        </a:t>
+            </a:r>
+            <a:endParaRPr lang="en-US" altLang="en-US"/>
+          </a:p>
+          <a:p>
+            <a:r>
+              <a:rPr lang="en-US" altLang="en-US"/>
+              <a:t>        </a:t>
+            </a:r>
+            <a:endParaRPr lang="en-US" altLang="en-US"/>
+          </a:p>
+        </p:txBody>
+      </p:sp>
+    </p:spTree>
+  </p:cSld>
+  <p:clrMapOvr>
+    <a:masterClrMapping/>
+  </p:clrMapOvr>
+</p:sld>
+</file>
+
+<file path=ppt/slides/slide5.xml><?xml version="1.0" encoding="utf-8"?>
+<p:sld xmlns:a="http://schemas.openxmlformats.org/drawingml/2006/main" xmlns:r="http://schemas.openxmlformats.org/officeDocument/2006/relationships" xmlns:p="http://schemas.openxmlformats.org/presentationml/2006/main">
+  <p:cSld>
+    <p:spTree>
+      <p:nvGrpSpPr>
+        <p:cNvPr id="1" name=""/>
+        <p:cNvGrpSpPr/>
+        <p:nvPr/>
+      </p:nvGrpSpPr>
+      <p:grpSpPr/>
+      <p:pic>
+        <p:nvPicPr>
+          <p:cNvPr id="4" name="Picture 3"/>
+          <p:cNvPicPr/>
+          <p:nvPr/>
+        </p:nvPicPr>
+        <p:blipFill>
+          <a:blip r:embed="rId1"/>
+          <a:stretch>
+            <a:fillRect/>
+          </a:stretch>
+        </p:blipFill>
+        <p:spPr>
+          <a:xfrm>
+            <a:off x="238760" y="0"/>
+            <a:ext cx="5855970" cy="4417060"/>
+          </a:xfrm>
+          <a:prstGeom prst="rect">
+            <a:avLst/>
+          </a:prstGeom>
+        </p:spPr>
+      </p:pic>
+      <p:sp>
+        <p:nvSpPr>
+          <p:cNvPr id="5" name="Text Box 4"/>
+          <p:cNvSpPr txBox="1"/>
+          <p:nvPr/>
+        </p:nvSpPr>
+        <p:spPr>
+          <a:xfrm>
+            <a:off x="238760" y="6318250"/>
+            <a:ext cx="6096000" cy="368300"/>
+          </a:xfrm>
+          <a:prstGeom prst="rect">
+            <a:avLst/>
+          </a:prstGeom>
+          <a:noFill/>
+        </p:spPr>
+        <p:txBody>
+          <a:bodyPr wrap="square" rtlCol="0" anchor="t">
+            <a:spAutoFit/>
+          </a:bodyPr>
+          <a:p>
+            <a:r>
+              <a:rPr lang="en-US" altLang="en-US"/>
+              <a:t>https://ellow.io/components-of-ai/</a:t>
+            </a:r>
+            <a:endParaRPr lang="en-US"/>
+          </a:p>
+        </p:txBody>
+      </p:sp>
+      <p:pic>
+        <p:nvPicPr>
+          <p:cNvPr id="6" name="Picture 5"/>
+          <p:cNvPicPr/>
+          <p:nvPr/>
+        </p:nvPicPr>
+        <p:blipFill>
+          <a:blip r:embed="rId2"/>
+          <a:stretch>
+            <a:fillRect/>
+          </a:stretch>
+        </p:blipFill>
+        <p:spPr>
+          <a:xfrm>
+            <a:off x="6477000" y="2571750"/>
+            <a:ext cx="5715000" cy="4286250"/>
+          </a:xfrm>
+          <a:prstGeom prst="rect">
+            <a:avLst/>
+          </a:prstGeom>
+        </p:spPr>
+      </p:pic>
+    </p:spTree>
+  </p:cSld>
+  <p:clrMapOvr>
+    <a:masterClrMapping/>
+  </p:clrMapOvr>
+</p:sld>
+</file>
+
+<file path=ppt/slides/slide6.xml><?xml version="1.0" encoding="utf-8"?>
 <p:sld xmlns:a="http://schemas.openxmlformats.org/drawingml/2006/main" xmlns:r="http://schemas.openxmlformats.org/officeDocument/2006/relationships" xmlns:p="http://schemas.openxmlformats.org/presentationml/2006/main">
   <p:cSld>
     <p:spTree>
@@ -4177,7 +4994,7 @@
 </p:sld>
 </file>
 
-<file path=ppt/slides/slide5.xml><?xml version="1.0" encoding="utf-8"?>
+<file path=ppt/slides/slide7.xml><?xml version="1.0" encoding="utf-8"?>
 <p:sld xmlns:a="http://schemas.openxmlformats.org/drawingml/2006/main" xmlns:r="http://schemas.openxmlformats.org/officeDocument/2006/relationships" xmlns:p="http://schemas.openxmlformats.org/presentationml/2006/main">
   <p:cSld>
     <p:spTree>
@@ -4218,7 +5035,7 @@
 </p:sld>
 </file>
 
-<file path=ppt/slides/slide6.xml><?xml version="1.0" encoding="utf-8"?>
+<file path=ppt/slides/slide8.xml><?xml version="1.0" encoding="utf-8"?>
 <p:sld xmlns:a="http://schemas.openxmlformats.org/drawingml/2006/main" xmlns:r="http://schemas.openxmlformats.org/officeDocument/2006/relationships" xmlns:p="http://schemas.openxmlformats.org/presentationml/2006/main">
   <p:cSld>
     <p:spTree>
@@ -4228,35 +5045,6 @@
         <p:nvPr/>
       </p:nvGrpSpPr>
       <p:grpSpPr/>
-      <p:sp>
-        <p:nvSpPr>
-          <p:cNvPr id="2" name="Text Box 1"/>
-          <p:cNvSpPr txBox="1"/>
-          <p:nvPr/>
-        </p:nvSpPr>
-        <p:spPr>
-          <a:xfrm>
-            <a:off x="3048000" y="3244850"/>
-            <a:ext cx="6096000" cy="368300"/>
-          </a:xfrm>
-          <a:prstGeom prst="rect">
-            <a:avLst/>
-          </a:prstGeom>
-          <a:noFill/>
-        </p:spPr>
-        <p:txBody>
-          <a:bodyPr wrap="square" rtlCol="0" anchor="t">
-            <a:spAutoFit/>
-          </a:bodyPr>
-          <a:p>
-            <a:r>
-              <a:rPr lang="en-US" altLang="en-US"/>
-              <a:t>https://www.aegissofttech.com/insights/generative-ai-models/</a:t>
-            </a:r>
-            <a:endParaRPr lang="en-US"/>
-          </a:p>
-        </p:txBody>
-      </p:sp>
     </p:spTree>
   </p:cSld>
   <p:clrMapOvr>
